--- a/PPTS/explicación app.pptx
+++ b/PPTS/explicación app.pptx
@@ -1384,29 +1384,29 @@
     </dgm:pt>
   </dgm:ptLst>
   <dgm:cxnLst>
+    <dgm:cxn modelId="{49753BEA-9113-42EB-9851-5BCFD553BE86}" srcId="{F24FA211-3F2C-4346-ABD9-092692E7A9F4}" destId="{84D5E899-B0A4-43A6-B223-6A74745C3DD0}" srcOrd="4" destOrd="0" parTransId="{0403FFE2-9798-490A-9583-C4C77117D92C}" sibTransId="{895E128C-A5F0-4683-B3D9-17A5C3B0BD55}"/>
+    <dgm:cxn modelId="{9F09F7B6-85E5-4228-B4F0-693ACBB95191}" type="presOf" srcId="{4B3393CD-BE25-4520-B303-8BAD23F50CE0}" destId="{F680135F-FB83-4C06-91FC-3A29DC63396C}" srcOrd="0" destOrd="0" presId="urn:microsoft.com/office/officeart/2005/8/layout/process5"/>
+    <dgm:cxn modelId="{7088EC34-C1BA-48B0-B058-0B664C09D58A}" srcId="{F24FA211-3F2C-4346-ABD9-092692E7A9F4}" destId="{7703AC7D-7627-48AA-BF50-1DEDC16D7D91}" srcOrd="1" destOrd="0" parTransId="{3CBB70BA-78E8-45DC-81B2-4BEEC48E7B7D}" sibTransId="{034CED5B-B964-4238-86DE-9425E8ACB288}"/>
+    <dgm:cxn modelId="{A0C4E794-B7CC-4EBD-B60A-7155768F82BA}" type="presOf" srcId="{84D5E899-B0A4-43A6-B223-6A74745C3DD0}" destId="{7490BDB8-F1E2-4EB2-82E7-C08F9B9E534E}" srcOrd="0" destOrd="0" presId="urn:microsoft.com/office/officeart/2005/8/layout/process5"/>
+    <dgm:cxn modelId="{E6D727F8-C9FE-4B4E-B5E5-A87BCB3EE519}" type="presOf" srcId="{895E128C-A5F0-4683-B3D9-17A5C3B0BD55}" destId="{1FD05E88-9E09-4F15-B0F4-DD6A84F91FB2}" srcOrd="0" destOrd="0" presId="urn:microsoft.com/office/officeart/2005/8/layout/process5"/>
+    <dgm:cxn modelId="{7EA0BF71-6309-4460-82DA-35435673EC0C}" type="presOf" srcId="{F24FA211-3F2C-4346-ABD9-092692E7A9F4}" destId="{88052538-6CB1-4F7A-A301-649AE84EF66B}" srcOrd="0" destOrd="0" presId="urn:microsoft.com/office/officeart/2005/8/layout/process5"/>
     <dgm:cxn modelId="{CF687D50-6AB4-40BE-A827-04660403E62F}" type="presOf" srcId="{131BA167-16C8-427D-BB30-8989EA4E70E5}" destId="{3C1528C3-2A53-4665-B9B1-9D10BDE5246C}" srcOrd="0" destOrd="0" presId="urn:microsoft.com/office/officeart/2005/8/layout/process5"/>
+    <dgm:cxn modelId="{E6DCC218-2905-492A-84FA-01987C14BCAB}" type="presOf" srcId="{0764DABC-4988-4E83-9D27-6C612E2653B9}" destId="{9345B24A-55DC-4164-8C82-526C07E03E06}" srcOrd="0" destOrd="0" presId="urn:microsoft.com/office/officeart/2005/8/layout/process5"/>
+    <dgm:cxn modelId="{D9343D1D-D2F9-4D8F-83C9-6CE85AE1227E}" type="presOf" srcId="{131BA167-16C8-427D-BB30-8989EA4E70E5}" destId="{9834EF4A-D85A-496C-B5F4-813700D1B355}" srcOrd="1" destOrd="0" presId="urn:microsoft.com/office/officeart/2005/8/layout/process5"/>
+    <dgm:cxn modelId="{8ABA0D0D-03E5-4296-9634-39F1977DCD09}" type="presOf" srcId="{034CED5B-B964-4238-86DE-9425E8ACB288}" destId="{4E7053E0-5968-423E-9BAF-BE0FE864C6C7}" srcOrd="1" destOrd="0" presId="urn:microsoft.com/office/officeart/2005/8/layout/process5"/>
+    <dgm:cxn modelId="{BFFDB2F1-E191-4C98-A9AD-D543A261E230}" type="presOf" srcId="{3B76D8E7-67CF-4CB2-BF09-7B700E7E5D12}" destId="{00C08AC9-1D4E-4798-A062-2CC79FC0B56F}" srcOrd="0" destOrd="0" presId="urn:microsoft.com/office/officeart/2005/8/layout/process5"/>
+    <dgm:cxn modelId="{6B61CD25-7CFE-46EB-BAFE-AA0770C80DF0}" type="presOf" srcId="{16DD3F1C-A6F8-47D3-BA57-675D1A413B75}" destId="{5866D430-EA1C-4910-9534-06E6848714EB}" srcOrd="0" destOrd="0" presId="urn:microsoft.com/office/officeart/2005/8/layout/process5"/>
+    <dgm:cxn modelId="{A4770200-C787-4EB5-9BAD-61E85C5E56D8}" type="presOf" srcId="{44E407CA-8519-439E-8A89-95F7E138FD9B}" destId="{DF43D430-0F06-4181-9E7A-3A427B6E5D03}" srcOrd="1" destOrd="0" presId="urn:microsoft.com/office/officeart/2005/8/layout/process5"/>
+    <dgm:cxn modelId="{73520E53-F4B6-4F1E-90B5-18C455DEAE0D}" srcId="{F24FA211-3F2C-4346-ABD9-092692E7A9F4}" destId="{0764DABC-4988-4E83-9D27-6C612E2653B9}" srcOrd="3" destOrd="0" parTransId="{249F8ABC-18A8-43BD-9D5F-45C4BE804F85}" sibTransId="{44E407CA-8519-439E-8A89-95F7E138FD9B}"/>
     <dgm:cxn modelId="{439C8EB0-45C9-4AC8-9065-6798C70D0210}" type="presOf" srcId="{895E128C-A5F0-4683-B3D9-17A5C3B0BD55}" destId="{60429F7C-10D0-4D3F-8019-997E2BE29191}" srcOrd="1" destOrd="0" presId="urn:microsoft.com/office/officeart/2005/8/layout/process5"/>
-    <dgm:cxn modelId="{E6D727F8-C9FE-4B4E-B5E5-A87BCB3EE519}" type="presOf" srcId="{895E128C-A5F0-4683-B3D9-17A5C3B0BD55}" destId="{1FD05E88-9E09-4F15-B0F4-DD6A84F91FB2}" srcOrd="0" destOrd="0" presId="urn:microsoft.com/office/officeart/2005/8/layout/process5"/>
-    <dgm:cxn modelId="{05EF2D42-B22E-44CB-BCA8-0A624596CEC7}" srcId="{F24FA211-3F2C-4346-ABD9-092692E7A9F4}" destId="{16DD3F1C-A6F8-47D3-BA57-675D1A413B75}" srcOrd="2" destOrd="0" parTransId="{E5AE1A70-D04B-4C9F-9949-A16466860DE9}" sibTransId="{131BA167-16C8-427D-BB30-8989EA4E70E5}"/>
-    <dgm:cxn modelId="{49753BEA-9113-42EB-9851-5BCFD553BE86}" srcId="{F24FA211-3F2C-4346-ABD9-092692E7A9F4}" destId="{84D5E899-B0A4-43A6-B223-6A74745C3DD0}" srcOrd="4" destOrd="0" parTransId="{0403FFE2-9798-490A-9583-C4C77117D92C}" sibTransId="{895E128C-A5F0-4683-B3D9-17A5C3B0BD55}"/>
-    <dgm:cxn modelId="{7EA0BF71-6309-4460-82DA-35435673EC0C}" type="presOf" srcId="{F24FA211-3F2C-4346-ABD9-092692E7A9F4}" destId="{88052538-6CB1-4F7A-A301-649AE84EF66B}" srcOrd="0" destOrd="0" presId="urn:microsoft.com/office/officeart/2005/8/layout/process5"/>
-    <dgm:cxn modelId="{8ABA0D0D-03E5-4296-9634-39F1977DCD09}" type="presOf" srcId="{034CED5B-B964-4238-86DE-9425E8ACB288}" destId="{4E7053E0-5968-423E-9BAF-BE0FE864C6C7}" srcOrd="1" destOrd="0" presId="urn:microsoft.com/office/officeart/2005/8/layout/process5"/>
-    <dgm:cxn modelId="{E6DCC218-2905-492A-84FA-01987C14BCAB}" type="presOf" srcId="{0764DABC-4988-4E83-9D27-6C612E2653B9}" destId="{9345B24A-55DC-4164-8C82-526C07E03E06}" srcOrd="0" destOrd="0" presId="urn:microsoft.com/office/officeart/2005/8/layout/process5"/>
-    <dgm:cxn modelId="{7088EC34-C1BA-48B0-B058-0B664C09D58A}" srcId="{F24FA211-3F2C-4346-ABD9-092692E7A9F4}" destId="{7703AC7D-7627-48AA-BF50-1DEDC16D7D91}" srcOrd="1" destOrd="0" parTransId="{3CBB70BA-78E8-45DC-81B2-4BEEC48E7B7D}" sibTransId="{034CED5B-B964-4238-86DE-9425E8ACB288}"/>
-    <dgm:cxn modelId="{9F09F7B6-85E5-4228-B4F0-693ACBB95191}" type="presOf" srcId="{4B3393CD-BE25-4520-B303-8BAD23F50CE0}" destId="{F680135F-FB83-4C06-91FC-3A29DC63396C}" srcOrd="0" destOrd="0" presId="urn:microsoft.com/office/officeart/2005/8/layout/process5"/>
-    <dgm:cxn modelId="{60F23AFC-55AD-447C-BBBE-B07637750C9F}" type="presOf" srcId="{7703AC7D-7627-48AA-BF50-1DEDC16D7D91}" destId="{BC696920-5112-47F6-BE4D-E1EB1973835F}" srcOrd="0" destOrd="0" presId="urn:microsoft.com/office/officeart/2005/8/layout/process5"/>
-    <dgm:cxn modelId="{A0C4E794-B7CC-4EBD-B60A-7155768F82BA}" type="presOf" srcId="{84D5E899-B0A4-43A6-B223-6A74745C3DD0}" destId="{7490BDB8-F1E2-4EB2-82E7-C08F9B9E534E}" srcOrd="0" destOrd="0" presId="urn:microsoft.com/office/officeart/2005/8/layout/process5"/>
-    <dgm:cxn modelId="{6B61CD25-7CFE-46EB-BAFE-AA0770C80DF0}" type="presOf" srcId="{16DD3F1C-A6F8-47D3-BA57-675D1A413B75}" destId="{5866D430-EA1C-4910-9534-06E6848714EB}" srcOrd="0" destOrd="0" presId="urn:microsoft.com/office/officeart/2005/8/layout/process5"/>
     <dgm:cxn modelId="{D8A00F18-C6DD-4134-9099-FA2865724BC5}" srcId="{F24FA211-3F2C-4346-ABD9-092692E7A9F4}" destId="{E14C6B11-9E69-4BC7-AEE0-6EC9CF20AF87}" srcOrd="5" destOrd="0" parTransId="{5C923AB1-59F2-4986-B504-004979660F31}" sibTransId="{72B24B98-2746-4468-853D-85A0838FF80C}"/>
+    <dgm:cxn modelId="{B72DAA64-6526-4D3B-A21C-06A3DE2410CA}" type="presOf" srcId="{034CED5B-B964-4238-86DE-9425E8ACB288}" destId="{914B1954-7982-4DED-A8D5-5875C703DF93}" srcOrd="0" destOrd="0" presId="urn:microsoft.com/office/officeart/2005/8/layout/process5"/>
     <dgm:cxn modelId="{C3861FA4-D69B-4D5F-9E76-323ACFF87FEC}" srcId="{F24FA211-3F2C-4346-ABD9-092692E7A9F4}" destId="{4B3393CD-BE25-4520-B303-8BAD23F50CE0}" srcOrd="0" destOrd="0" parTransId="{9BF9F86E-19D0-4D46-B788-9E0D0EE490C8}" sibTransId="{3B76D8E7-67CF-4CB2-BF09-7B700E7E5D12}"/>
     <dgm:cxn modelId="{5483DB64-7B33-4A70-B552-403B3D6AF22D}" type="presOf" srcId="{44E407CA-8519-439E-8A89-95F7E138FD9B}" destId="{0F9723B7-0055-459E-A10D-E0CCDB016560}" srcOrd="0" destOrd="0" presId="urn:microsoft.com/office/officeart/2005/8/layout/process5"/>
+    <dgm:cxn modelId="{05EF2D42-B22E-44CB-BCA8-0A624596CEC7}" srcId="{F24FA211-3F2C-4346-ABD9-092692E7A9F4}" destId="{16DD3F1C-A6F8-47D3-BA57-675D1A413B75}" srcOrd="2" destOrd="0" parTransId="{E5AE1A70-D04B-4C9F-9949-A16466860DE9}" sibTransId="{131BA167-16C8-427D-BB30-8989EA4E70E5}"/>
+    <dgm:cxn modelId="{62776DAB-A42C-41F2-A0ED-4C3D264A087C}" type="presOf" srcId="{E14C6B11-9E69-4BC7-AEE0-6EC9CF20AF87}" destId="{E8D2FA06-B903-4014-BFD9-BFAEAA6FFFAA}" srcOrd="0" destOrd="0" presId="urn:microsoft.com/office/officeart/2005/8/layout/process5"/>
+    <dgm:cxn modelId="{60F23AFC-55AD-447C-BBBE-B07637750C9F}" type="presOf" srcId="{7703AC7D-7627-48AA-BF50-1DEDC16D7D91}" destId="{BC696920-5112-47F6-BE4D-E1EB1973835F}" srcOrd="0" destOrd="0" presId="urn:microsoft.com/office/officeart/2005/8/layout/process5"/>
     <dgm:cxn modelId="{F7CC6D26-AE79-42FF-99C9-C166EB62A420}" type="presOf" srcId="{3B76D8E7-67CF-4CB2-BF09-7B700E7E5D12}" destId="{79A966BC-6822-4F1F-8DDB-931C03225B4B}" srcOrd="1" destOrd="0" presId="urn:microsoft.com/office/officeart/2005/8/layout/process5"/>
-    <dgm:cxn modelId="{62776DAB-A42C-41F2-A0ED-4C3D264A087C}" type="presOf" srcId="{E14C6B11-9E69-4BC7-AEE0-6EC9CF20AF87}" destId="{E8D2FA06-B903-4014-BFD9-BFAEAA6FFFAA}" srcOrd="0" destOrd="0" presId="urn:microsoft.com/office/officeart/2005/8/layout/process5"/>
-    <dgm:cxn modelId="{B72DAA64-6526-4D3B-A21C-06A3DE2410CA}" type="presOf" srcId="{034CED5B-B964-4238-86DE-9425E8ACB288}" destId="{914B1954-7982-4DED-A8D5-5875C703DF93}" srcOrd="0" destOrd="0" presId="urn:microsoft.com/office/officeart/2005/8/layout/process5"/>
-    <dgm:cxn modelId="{73520E53-F4B6-4F1E-90B5-18C455DEAE0D}" srcId="{F24FA211-3F2C-4346-ABD9-092692E7A9F4}" destId="{0764DABC-4988-4E83-9D27-6C612E2653B9}" srcOrd="3" destOrd="0" parTransId="{249F8ABC-18A8-43BD-9D5F-45C4BE804F85}" sibTransId="{44E407CA-8519-439E-8A89-95F7E138FD9B}"/>
-    <dgm:cxn modelId="{A4770200-C787-4EB5-9BAD-61E85C5E56D8}" type="presOf" srcId="{44E407CA-8519-439E-8A89-95F7E138FD9B}" destId="{DF43D430-0F06-4181-9E7A-3A427B6E5D03}" srcOrd="1" destOrd="0" presId="urn:microsoft.com/office/officeart/2005/8/layout/process5"/>
-    <dgm:cxn modelId="{BFFDB2F1-E191-4C98-A9AD-D543A261E230}" type="presOf" srcId="{3B76D8E7-67CF-4CB2-BF09-7B700E7E5D12}" destId="{00C08AC9-1D4E-4798-A062-2CC79FC0B56F}" srcOrd="0" destOrd="0" presId="urn:microsoft.com/office/officeart/2005/8/layout/process5"/>
-    <dgm:cxn modelId="{D9343D1D-D2F9-4D8F-83C9-6CE85AE1227E}" type="presOf" srcId="{131BA167-16C8-427D-BB30-8989EA4E70E5}" destId="{9834EF4A-D85A-496C-B5F4-813700D1B355}" srcOrd="1" destOrd="0" presId="urn:microsoft.com/office/officeart/2005/8/layout/process5"/>
     <dgm:cxn modelId="{3F059649-84A3-44AA-BD74-261B88883200}" type="presParOf" srcId="{88052538-6CB1-4F7A-A301-649AE84EF66B}" destId="{F680135F-FB83-4C06-91FC-3A29DC63396C}" srcOrd="0" destOrd="0" presId="urn:microsoft.com/office/officeart/2005/8/layout/process5"/>
     <dgm:cxn modelId="{ACA23869-D52C-4DAF-AE06-E26C74D9D321}" type="presParOf" srcId="{88052538-6CB1-4F7A-A301-649AE84EF66B}" destId="{00C08AC9-1D4E-4798-A062-2CC79FC0B56F}" srcOrd="1" destOrd="0" presId="urn:microsoft.com/office/officeart/2005/8/layout/process5"/>
     <dgm:cxn modelId="{A9E734BF-0A64-4EB1-B1F0-99952B24F8D4}" type="presParOf" srcId="{00C08AC9-1D4E-4798-A062-2CC79FC0B56F}" destId="{79A966BC-6822-4F1F-8DDB-931C03225B4B}" srcOrd="0" destOrd="0" presId="urn:microsoft.com/office/officeart/2005/8/layout/process5"/>
@@ -1442,885 +1442,6 @@
       <dsp:cNvGrpSpPr/>
     </dsp:nvGrpSpPr>
     <dsp:grpSpPr/>
-    <dsp:sp modelId="{F680135F-FB83-4C06-91FC-3A29DC63396C}">
-      <dsp:nvSpPr>
-        <dsp:cNvPr id="0" name=""/>
-        <dsp:cNvSpPr/>
-      </dsp:nvSpPr>
-      <dsp:spPr>
-        <a:xfrm>
-          <a:off x="0" y="316526"/>
-          <a:ext cx="2620257" cy="881121"/>
-        </a:xfrm>
-        <a:prstGeom prst="roundRect">
-          <a:avLst>
-            <a:gd name="adj" fmla="val 10000"/>
-          </a:avLst>
-        </a:prstGeom>
-        <a:solidFill>
-          <a:schemeClr val="accent1">
-            <a:hueOff val="0"/>
-            <a:satOff val="0"/>
-            <a:lumOff val="0"/>
-            <a:alphaOff val="0"/>
-          </a:schemeClr>
-        </a:solidFill>
-        <a:ln w="25400" cap="flat" cmpd="sng" algn="ctr">
-          <a:solidFill>
-            <a:schemeClr val="lt1">
-              <a:hueOff val="0"/>
-              <a:satOff val="0"/>
-              <a:lumOff val="0"/>
-              <a:alphaOff val="0"/>
-            </a:schemeClr>
-          </a:solidFill>
-          <a:prstDash val="solid"/>
-        </a:ln>
-        <a:effectLst/>
-      </dsp:spPr>
-      <dsp:style>
-        <a:lnRef idx="2">
-          <a:scrgbClr r="0" g="0" b="0"/>
-        </a:lnRef>
-        <a:fillRef idx="1">
-          <a:scrgbClr r="0" g="0" b="0"/>
-        </a:fillRef>
-        <a:effectRef idx="0">
-          <a:scrgbClr r="0" g="0" b="0"/>
-        </a:effectRef>
-        <a:fontRef idx="minor">
-          <a:schemeClr val="lt1"/>
-        </a:fontRef>
-      </dsp:style>
-      <dsp:txBody>
-        <a:bodyPr spcFirstLastPara="0" vert="horz" wrap="square" lIns="95250" tIns="95250" rIns="95250" bIns="95250" numCol="1" spcCol="1270" anchor="ctr" anchorCtr="0">
-          <a:noAutofit/>
-        </a:bodyPr>
-        <a:lstStyle/>
-        <a:p>
-          <a:pPr lvl="0" algn="ctr" defTabSz="1111250">
-            <a:lnSpc>
-              <a:spcPct val="90000"/>
-            </a:lnSpc>
-            <a:spcBef>
-              <a:spcPct val="0"/>
-            </a:spcBef>
-            <a:spcAft>
-              <a:spcPct val="35000"/>
-            </a:spcAft>
-          </a:pPr>
-          <a:r>
-            <a:rPr lang="es-ES_tradnl" sz="2500" kern="1200" dirty="0" smtClean="0"/>
-            <a:t>bookListCtrl.js</a:t>
-          </a:r>
-          <a:endParaRPr lang="en-US" sz="2500" kern="1200" dirty="0"/>
-        </a:p>
-      </dsp:txBody>
-      <dsp:txXfrm>
-        <a:off x="25807" y="342333"/>
-        <a:ext cx="2568643" cy="829507"/>
-      </dsp:txXfrm>
-    </dsp:sp>
-    <dsp:sp modelId="{00C08AC9-1D4E-4798-A062-2CC79FC0B56F}">
-      <dsp:nvSpPr>
-        <dsp:cNvPr id="0" name=""/>
-        <dsp:cNvSpPr/>
-      </dsp:nvSpPr>
-      <dsp:spPr>
-        <a:xfrm rot="21570968">
-          <a:off x="2940321" y="473313"/>
-          <a:ext cx="4769548" cy="558629"/>
-        </a:xfrm>
-        <a:prstGeom prst="rightArrow">
-          <a:avLst>
-            <a:gd name="adj1" fmla="val 60000"/>
-            <a:gd name="adj2" fmla="val 50000"/>
-          </a:avLst>
-        </a:prstGeom>
-        <a:solidFill>
-          <a:schemeClr val="accent1">
-            <a:tint val="60000"/>
-            <a:hueOff val="0"/>
-            <a:satOff val="0"/>
-            <a:lumOff val="0"/>
-            <a:alphaOff val="0"/>
-          </a:schemeClr>
-        </a:solidFill>
-        <a:ln>
-          <a:noFill/>
-        </a:ln>
-        <a:effectLst/>
-      </dsp:spPr>
-      <dsp:style>
-        <a:lnRef idx="0">
-          <a:scrgbClr r="0" g="0" b="0"/>
-        </a:lnRef>
-        <a:fillRef idx="1">
-          <a:scrgbClr r="0" g="0" b="0"/>
-        </a:fillRef>
-        <a:effectRef idx="0">
-          <a:scrgbClr r="0" g="0" b="0"/>
-        </a:effectRef>
-        <a:fontRef idx="minor">
-          <a:schemeClr val="lt1"/>
-        </a:fontRef>
-      </dsp:style>
-      <dsp:txBody>
-        <a:bodyPr spcFirstLastPara="0" vert="horz" wrap="square" lIns="0" tIns="0" rIns="0" bIns="0" numCol="1" spcCol="1270" anchor="ctr" anchorCtr="0">
-          <a:noAutofit/>
-        </a:bodyPr>
-        <a:lstStyle/>
-        <a:p>
-          <a:pPr lvl="0" algn="ctr" defTabSz="800100">
-            <a:lnSpc>
-              <a:spcPct val="90000"/>
-            </a:lnSpc>
-            <a:spcBef>
-              <a:spcPct val="0"/>
-            </a:spcBef>
-            <a:spcAft>
-              <a:spcPct val="35000"/>
-            </a:spcAft>
-          </a:pPr>
-          <a:r>
-            <a:rPr lang="es-ES_tradnl" sz="1800" kern="1200" dirty="0" err="1" smtClean="0"/>
-            <a:t>Get</a:t>
-          </a:r>
-          <a:r>
-            <a:rPr lang="es-ES_tradnl" sz="1800" kern="1200" dirty="0" smtClean="0"/>
-            <a:t>: /</a:t>
-          </a:r>
-          <a:r>
-            <a:rPr lang="es-ES_tradnl" sz="1800" kern="1200" dirty="0" err="1" smtClean="0"/>
-            <a:t>Tpl</a:t>
-          </a:r>
-          <a:r>
-            <a:rPr lang="es-ES_tradnl" sz="1800" kern="1200" dirty="0" smtClean="0"/>
-            <a:t>/</a:t>
-          </a:r>
-          <a:r>
-            <a:rPr lang="es-ES_tradnl" sz="1800" kern="1200" dirty="0" err="1" smtClean="0"/>
-            <a:t>rest</a:t>
-          </a:r>
-          <a:r>
-            <a:rPr lang="es-ES_tradnl" sz="1800" kern="1200" dirty="0" smtClean="0"/>
-            <a:t>/</a:t>
-          </a:r>
-          <a:r>
-            <a:rPr lang="es-ES_tradnl" sz="1800" kern="1200" dirty="0" err="1" smtClean="0"/>
-            <a:t>books</a:t>
-          </a:r>
-          <a:endParaRPr lang="en-US" sz="1800" kern="1200" dirty="0"/>
-        </a:p>
-      </dsp:txBody>
-      <dsp:txXfrm>
-        <a:off x="2940324" y="585747"/>
-        <a:ext cx="4601959" cy="335177"/>
-      </dsp:txXfrm>
-    </dsp:sp>
-    <dsp:sp modelId="{BC696920-5112-47F6-BE4D-E1EB1973835F}">
-      <dsp:nvSpPr>
-        <dsp:cNvPr id="0" name=""/>
-        <dsp:cNvSpPr/>
-      </dsp:nvSpPr>
-      <dsp:spPr>
-        <a:xfrm>
-          <a:off x="7933625" y="281351"/>
-          <a:ext cx="2581974" cy="817791"/>
-        </a:xfrm>
-        <a:prstGeom prst="roundRect">
-          <a:avLst>
-            <a:gd name="adj" fmla="val 10000"/>
-          </a:avLst>
-        </a:prstGeom>
-        <a:solidFill>
-          <a:schemeClr val="accent1">
-            <a:hueOff val="0"/>
-            <a:satOff val="0"/>
-            <a:lumOff val="0"/>
-            <a:alphaOff val="0"/>
-          </a:schemeClr>
-        </a:solidFill>
-        <a:ln w="25400" cap="flat" cmpd="sng" algn="ctr">
-          <a:solidFill>
-            <a:schemeClr val="lt1">
-              <a:hueOff val="0"/>
-              <a:satOff val="0"/>
-              <a:lumOff val="0"/>
-              <a:alphaOff val="0"/>
-            </a:schemeClr>
-          </a:solidFill>
-          <a:prstDash val="solid"/>
-        </a:ln>
-        <a:effectLst/>
-      </dsp:spPr>
-      <dsp:style>
-        <a:lnRef idx="2">
-          <a:scrgbClr r="0" g="0" b="0"/>
-        </a:lnRef>
-        <a:fillRef idx="1">
-          <a:scrgbClr r="0" g="0" b="0"/>
-        </a:fillRef>
-        <a:effectRef idx="0">
-          <a:scrgbClr r="0" g="0" b="0"/>
-        </a:effectRef>
-        <a:fontRef idx="minor">
-          <a:schemeClr val="lt1"/>
-        </a:fontRef>
-      </dsp:style>
-      <dsp:txBody>
-        <a:bodyPr spcFirstLastPara="0" vert="horz" wrap="square" lIns="95250" tIns="95250" rIns="95250" bIns="95250" numCol="1" spcCol="1270" anchor="ctr" anchorCtr="0">
-          <a:noAutofit/>
-        </a:bodyPr>
-        <a:lstStyle/>
-        <a:p>
-          <a:pPr lvl="0" algn="ctr" defTabSz="1111250">
-            <a:lnSpc>
-              <a:spcPct val="90000"/>
-            </a:lnSpc>
-            <a:spcBef>
-              <a:spcPct val="0"/>
-            </a:spcBef>
-            <a:spcAft>
-              <a:spcPct val="35000"/>
-            </a:spcAft>
-          </a:pPr>
-          <a:r>
-            <a:rPr lang="es-ES_tradnl" sz="2500" kern="1200" dirty="0" err="1" smtClean="0"/>
-            <a:t>BookWS</a:t>
-          </a:r>
-          <a:endParaRPr lang="en-US" sz="2500" kern="1200" dirty="0"/>
-        </a:p>
-      </dsp:txBody>
-      <dsp:txXfrm>
-        <a:off x="7957577" y="305303"/>
-        <a:ext cx="2534070" cy="769887"/>
-      </dsp:txXfrm>
-    </dsp:sp>
-    <dsp:sp modelId="{914B1954-7982-4DED-A8D5-5875C703DF93}">
-      <dsp:nvSpPr>
-        <dsp:cNvPr id="0" name=""/>
-        <dsp:cNvSpPr/>
-      </dsp:nvSpPr>
-      <dsp:spPr>
-        <a:xfrm rot="10070164">
-          <a:off x="2725690" y="1431329"/>
-          <a:ext cx="4945299" cy="507140"/>
-        </a:xfrm>
-        <a:prstGeom prst="rightArrow">
-          <a:avLst>
-            <a:gd name="adj1" fmla="val 60000"/>
-            <a:gd name="adj2" fmla="val 50000"/>
-          </a:avLst>
-        </a:prstGeom>
-        <a:solidFill>
-          <a:schemeClr val="accent1">
-            <a:tint val="60000"/>
-            <a:hueOff val="0"/>
-            <a:satOff val="0"/>
-            <a:lumOff val="0"/>
-            <a:alphaOff val="0"/>
-          </a:schemeClr>
-        </a:solidFill>
-        <a:ln>
-          <a:noFill/>
-        </a:ln>
-        <a:effectLst/>
-      </dsp:spPr>
-      <dsp:style>
-        <a:lnRef idx="0">
-          <a:scrgbClr r="0" g="0" b="0"/>
-        </a:lnRef>
-        <a:fillRef idx="1">
-          <a:scrgbClr r="0" g="0" b="0"/>
-        </a:fillRef>
-        <a:effectRef idx="0">
-          <a:scrgbClr r="0" g="0" b="0"/>
-        </a:effectRef>
-        <a:fontRef idx="minor">
-          <a:schemeClr val="lt1"/>
-        </a:fontRef>
-      </dsp:style>
-      <dsp:txBody>
-        <a:bodyPr spcFirstLastPara="0" vert="horz" wrap="square" lIns="0" tIns="0" rIns="0" bIns="0" numCol="1" spcCol="1270" anchor="ctr" anchorCtr="0">
-          <a:noAutofit/>
-        </a:bodyPr>
-        <a:lstStyle/>
-        <a:p>
-          <a:pPr lvl="0" algn="ctr" defTabSz="800100">
-            <a:lnSpc>
-              <a:spcPct val="90000"/>
-            </a:lnSpc>
-            <a:spcBef>
-              <a:spcPct val="0"/>
-            </a:spcBef>
-            <a:spcAft>
-              <a:spcPct val="35000"/>
-            </a:spcAft>
-          </a:pPr>
-          <a:r>
-            <a:rPr lang="es-ES_tradnl" sz="1800" kern="1200" dirty="0" err="1" smtClean="0"/>
-            <a:t>findAllBooks</a:t>
-          </a:r>
-          <a:r>
-            <a:rPr lang="es-ES_tradnl" sz="1800" kern="1200" dirty="0" smtClean="0"/>
-            <a:t>()</a:t>
-          </a:r>
-          <a:endParaRPr lang="en-US" sz="1800" kern="1200" dirty="0"/>
-        </a:p>
-      </dsp:txBody>
-      <dsp:txXfrm rot="10800000">
-        <a:off x="2876124" y="1516728"/>
-        <a:ext cx="4793157" cy="304284"/>
-      </dsp:txXfrm>
-    </dsp:sp>
-    <dsp:sp modelId="{5866D430-EA1C-4910-9534-06E6848714EB}">
-      <dsp:nvSpPr>
-        <dsp:cNvPr id="0" name=""/>
-        <dsp:cNvSpPr/>
-      </dsp:nvSpPr>
-      <dsp:spPr>
-        <a:xfrm>
-          <a:off x="0" y="1852254"/>
-          <a:ext cx="2683613" cy="1074247"/>
-        </a:xfrm>
-        <a:prstGeom prst="roundRect">
-          <a:avLst>
-            <a:gd name="adj" fmla="val 10000"/>
-          </a:avLst>
-        </a:prstGeom>
-        <a:solidFill>
-          <a:schemeClr val="accent1">
-            <a:hueOff val="0"/>
-            <a:satOff val="0"/>
-            <a:lumOff val="0"/>
-            <a:alphaOff val="0"/>
-          </a:schemeClr>
-        </a:solidFill>
-        <a:ln w="25400" cap="flat" cmpd="sng" algn="ctr">
-          <a:solidFill>
-            <a:schemeClr val="lt1">
-              <a:hueOff val="0"/>
-              <a:satOff val="0"/>
-              <a:lumOff val="0"/>
-              <a:alphaOff val="0"/>
-            </a:schemeClr>
-          </a:solidFill>
-          <a:prstDash val="solid"/>
-        </a:ln>
-        <a:effectLst/>
-      </dsp:spPr>
-      <dsp:style>
-        <a:lnRef idx="2">
-          <a:scrgbClr r="0" g="0" b="0"/>
-        </a:lnRef>
-        <a:fillRef idx="1">
-          <a:scrgbClr r="0" g="0" b="0"/>
-        </a:fillRef>
-        <a:effectRef idx="0">
-          <a:scrgbClr r="0" g="0" b="0"/>
-        </a:effectRef>
-        <a:fontRef idx="minor">
-          <a:schemeClr val="lt1"/>
-        </a:fontRef>
-      </dsp:style>
-      <dsp:txBody>
-        <a:bodyPr spcFirstLastPara="0" vert="horz" wrap="square" lIns="95250" tIns="95250" rIns="95250" bIns="95250" numCol="1" spcCol="1270" anchor="ctr" anchorCtr="0">
-          <a:noAutofit/>
-        </a:bodyPr>
-        <a:lstStyle/>
-        <a:p>
-          <a:pPr lvl="0" algn="ctr" defTabSz="1111250">
-            <a:lnSpc>
-              <a:spcPct val="90000"/>
-            </a:lnSpc>
-            <a:spcBef>
-              <a:spcPct val="0"/>
-            </a:spcBef>
-            <a:spcAft>
-              <a:spcPct val="35000"/>
-            </a:spcAft>
-          </a:pPr>
-          <a:r>
-            <a:rPr lang="es-ES_tradnl" sz="2500" kern="1200" dirty="0" err="1" smtClean="0"/>
-            <a:t>BookService</a:t>
-          </a:r>
-          <a:endParaRPr lang="en-US" sz="2500" kern="1200" dirty="0"/>
-        </a:p>
-      </dsp:txBody>
-      <dsp:txXfrm>
-        <a:off x="31464" y="1883718"/>
-        <a:ext cx="2620685" cy="1011319"/>
-      </dsp:txXfrm>
-    </dsp:sp>
-    <dsp:sp modelId="{3C1528C3-2A53-4665-B9B1-9D10BDE5246C}">
-      <dsp:nvSpPr>
-        <dsp:cNvPr id="0" name=""/>
-        <dsp:cNvSpPr/>
-      </dsp:nvSpPr>
-      <dsp:spPr>
-        <a:xfrm rot="21504203">
-          <a:off x="3193390" y="2251185"/>
-          <a:ext cx="4171887" cy="466238"/>
-        </a:xfrm>
-        <a:prstGeom prst="rightArrow">
-          <a:avLst>
-            <a:gd name="adj1" fmla="val 60000"/>
-            <a:gd name="adj2" fmla="val 50000"/>
-          </a:avLst>
-        </a:prstGeom>
-        <a:solidFill>
-          <a:schemeClr val="accent1">
-            <a:tint val="60000"/>
-            <a:hueOff val="0"/>
-            <a:satOff val="0"/>
-            <a:lumOff val="0"/>
-            <a:alphaOff val="0"/>
-          </a:schemeClr>
-        </a:solidFill>
-        <a:ln>
-          <a:noFill/>
-        </a:ln>
-        <a:effectLst/>
-      </dsp:spPr>
-      <dsp:style>
-        <a:lnRef idx="0">
-          <a:scrgbClr r="0" g="0" b="0"/>
-        </a:lnRef>
-        <a:fillRef idx="1">
-          <a:scrgbClr r="0" g="0" b="0"/>
-        </a:fillRef>
-        <a:effectRef idx="0">
-          <a:scrgbClr r="0" g="0" b="0"/>
-        </a:effectRef>
-        <a:fontRef idx="minor">
-          <a:schemeClr val="lt1"/>
-        </a:fontRef>
-      </dsp:style>
-      <dsp:txBody>
-        <a:bodyPr spcFirstLastPara="0" vert="horz" wrap="square" lIns="0" tIns="0" rIns="0" bIns="0" numCol="1" spcCol="1270" anchor="ctr" anchorCtr="0">
-          <a:noAutofit/>
-        </a:bodyPr>
-        <a:lstStyle/>
-        <a:p>
-          <a:pPr lvl="0" algn="ctr" defTabSz="800100">
-            <a:lnSpc>
-              <a:spcPct val="90000"/>
-            </a:lnSpc>
-            <a:spcBef>
-              <a:spcPct val="0"/>
-            </a:spcBef>
-            <a:spcAft>
-              <a:spcPct val="35000"/>
-            </a:spcAft>
-          </a:pPr>
-          <a:r>
-            <a:rPr lang="es-ES_tradnl" sz="1800" kern="1200" dirty="0" err="1" smtClean="0"/>
-            <a:t>findAll</a:t>
-          </a:r>
-          <a:r>
-            <a:rPr lang="es-ES_tradnl" sz="1800" kern="1200" dirty="0" smtClean="0"/>
-            <a:t>()</a:t>
-          </a:r>
-          <a:endParaRPr lang="en-US" sz="1800" kern="1200" dirty="0"/>
-        </a:p>
-      </dsp:txBody>
-      <dsp:txXfrm>
-        <a:off x="3193417" y="2346382"/>
-        <a:ext cx="4032016" cy="279742"/>
-      </dsp:txXfrm>
-    </dsp:sp>
-    <dsp:sp modelId="{9345B24A-55DC-4164-8C82-526C07E03E06}">
-      <dsp:nvSpPr>
-        <dsp:cNvPr id="0" name=""/>
-        <dsp:cNvSpPr/>
-      </dsp:nvSpPr>
-      <dsp:spPr>
-        <a:xfrm>
-          <a:off x="7970364" y="1642934"/>
-          <a:ext cx="2545235" cy="1052420"/>
-        </a:xfrm>
-        <a:prstGeom prst="roundRect">
-          <a:avLst>
-            <a:gd name="adj" fmla="val 10000"/>
-          </a:avLst>
-        </a:prstGeom>
-        <a:solidFill>
-          <a:schemeClr val="accent1">
-            <a:hueOff val="0"/>
-            <a:satOff val="0"/>
-            <a:lumOff val="0"/>
-            <a:alphaOff val="0"/>
-          </a:schemeClr>
-        </a:solidFill>
-        <a:ln w="25400" cap="flat" cmpd="sng" algn="ctr">
-          <a:solidFill>
-            <a:schemeClr val="lt1">
-              <a:hueOff val="0"/>
-              <a:satOff val="0"/>
-              <a:lumOff val="0"/>
-              <a:alphaOff val="0"/>
-            </a:schemeClr>
-          </a:solidFill>
-          <a:prstDash val="solid"/>
-        </a:ln>
-        <a:effectLst/>
-      </dsp:spPr>
-      <dsp:style>
-        <a:lnRef idx="2">
-          <a:scrgbClr r="0" g="0" b="0"/>
-        </a:lnRef>
-        <a:fillRef idx="1">
-          <a:scrgbClr r="0" g="0" b="0"/>
-        </a:fillRef>
-        <a:effectRef idx="0">
-          <a:scrgbClr r="0" g="0" b="0"/>
-        </a:effectRef>
-        <a:fontRef idx="minor">
-          <a:schemeClr val="lt1"/>
-        </a:fontRef>
-      </dsp:style>
-      <dsp:txBody>
-        <a:bodyPr spcFirstLastPara="0" vert="horz" wrap="square" lIns="95250" tIns="95250" rIns="95250" bIns="95250" numCol="1" spcCol="1270" anchor="ctr" anchorCtr="0">
-          <a:noAutofit/>
-        </a:bodyPr>
-        <a:lstStyle/>
-        <a:p>
-          <a:pPr lvl="0" algn="ctr" defTabSz="1111250">
-            <a:lnSpc>
-              <a:spcPct val="90000"/>
-            </a:lnSpc>
-            <a:spcBef>
-              <a:spcPct val="0"/>
-            </a:spcBef>
-            <a:spcAft>
-              <a:spcPct val="35000"/>
-            </a:spcAft>
-          </a:pPr>
-          <a:r>
-            <a:rPr lang="es-ES_tradnl" sz="2500" kern="1200" dirty="0" err="1" smtClean="0"/>
-            <a:t>BookRepository</a:t>
-          </a:r>
-          <a:endParaRPr lang="en-US" sz="2500" kern="1200" dirty="0"/>
-        </a:p>
-      </dsp:txBody>
-      <dsp:txXfrm>
-        <a:off x="8001188" y="1673758"/>
-        <a:ext cx="2483587" cy="990772"/>
-      </dsp:txXfrm>
-    </dsp:sp>
-    <dsp:sp modelId="{0F9723B7-0055-459E-A10D-E0CCDB016560}">
-      <dsp:nvSpPr>
-        <dsp:cNvPr id="0" name=""/>
-        <dsp:cNvSpPr/>
-      </dsp:nvSpPr>
-      <dsp:spPr>
-        <a:xfrm rot="10058187">
-          <a:off x="2787071" y="3011729"/>
-          <a:ext cx="4965242" cy="472643"/>
-        </a:xfrm>
-        <a:prstGeom prst="rightArrow">
-          <a:avLst>
-            <a:gd name="adj1" fmla="val 60000"/>
-            <a:gd name="adj2" fmla="val 50000"/>
-          </a:avLst>
-        </a:prstGeom>
-        <a:solidFill>
-          <a:schemeClr val="accent1">
-            <a:tint val="60000"/>
-            <a:hueOff val="0"/>
-            <a:satOff val="0"/>
-            <a:lumOff val="0"/>
-            <a:alphaOff val="0"/>
-          </a:schemeClr>
-        </a:solidFill>
-        <a:ln>
-          <a:noFill/>
-        </a:ln>
-        <a:effectLst/>
-      </dsp:spPr>
-      <dsp:style>
-        <a:lnRef idx="0">
-          <a:scrgbClr r="0" g="0" b="0"/>
-        </a:lnRef>
-        <a:fillRef idx="1">
-          <a:scrgbClr r="0" g="0" b="0"/>
-        </a:fillRef>
-        <a:effectRef idx="0">
-          <a:scrgbClr r="0" g="0" b="0"/>
-        </a:effectRef>
-        <a:fontRef idx="minor">
-          <a:schemeClr val="lt1"/>
-        </a:fontRef>
-      </dsp:style>
-      <dsp:txBody>
-        <a:bodyPr spcFirstLastPara="0" vert="horz" wrap="square" lIns="0" tIns="0" rIns="0" bIns="0" numCol="1" spcCol="1270" anchor="ctr" anchorCtr="0">
-          <a:noAutofit/>
-        </a:bodyPr>
-        <a:lstStyle/>
-        <a:p>
-          <a:pPr lvl="0" algn="ctr" defTabSz="800100">
-            <a:lnSpc>
-              <a:spcPct val="90000"/>
-            </a:lnSpc>
-            <a:spcBef>
-              <a:spcPct val="0"/>
-            </a:spcBef>
-            <a:spcAft>
-              <a:spcPct val="35000"/>
-            </a:spcAft>
-          </a:pPr>
-          <a:r>
-            <a:rPr lang="es-ES_tradnl" sz="1800" kern="1200" dirty="0" err="1" smtClean="0"/>
-            <a:t>findAll</a:t>
-          </a:r>
-          <a:r>
-            <a:rPr lang="es-ES_tradnl" sz="1800" kern="1200" dirty="0" smtClean="0"/>
-            <a:t>()</a:t>
-          </a:r>
-          <a:endParaRPr lang="en-US" sz="1800" kern="1200" dirty="0"/>
-        </a:p>
-      </dsp:txBody>
-      <dsp:txXfrm rot="10800000">
-        <a:off x="2927220" y="3091078"/>
-        <a:ext cx="4823449" cy="283585"/>
-      </dsp:txXfrm>
-    </dsp:sp>
-    <dsp:sp modelId="{7490BDB8-F1E2-4EB2-82E7-C08F9B9E534E}">
-      <dsp:nvSpPr>
-        <dsp:cNvPr id="0" name=""/>
-        <dsp:cNvSpPr/>
-      </dsp:nvSpPr>
-      <dsp:spPr>
-        <a:xfrm>
-          <a:off x="0" y="3513640"/>
-          <a:ext cx="2491638" cy="816924"/>
-        </a:xfrm>
-        <a:prstGeom prst="roundRect">
-          <a:avLst>
-            <a:gd name="adj" fmla="val 10000"/>
-          </a:avLst>
-        </a:prstGeom>
-        <a:solidFill>
-          <a:schemeClr val="accent1">
-            <a:hueOff val="0"/>
-            <a:satOff val="0"/>
-            <a:lumOff val="0"/>
-            <a:alphaOff val="0"/>
-          </a:schemeClr>
-        </a:solidFill>
-        <a:ln w="25400" cap="flat" cmpd="sng" algn="ctr">
-          <a:solidFill>
-            <a:schemeClr val="lt1">
-              <a:hueOff val="0"/>
-              <a:satOff val="0"/>
-              <a:lumOff val="0"/>
-              <a:alphaOff val="0"/>
-            </a:schemeClr>
-          </a:solidFill>
-          <a:prstDash val="solid"/>
-        </a:ln>
-        <a:effectLst/>
-      </dsp:spPr>
-      <dsp:style>
-        <a:lnRef idx="2">
-          <a:scrgbClr r="0" g="0" b="0"/>
-        </a:lnRef>
-        <a:fillRef idx="1">
-          <a:scrgbClr r="0" g="0" b="0"/>
-        </a:fillRef>
-        <a:effectRef idx="0">
-          <a:scrgbClr r="0" g="0" b="0"/>
-        </a:effectRef>
-        <a:fontRef idx="minor">
-          <a:schemeClr val="lt1"/>
-        </a:fontRef>
-      </dsp:style>
-      <dsp:txBody>
-        <a:bodyPr spcFirstLastPara="0" vert="horz" wrap="square" lIns="95250" tIns="95250" rIns="95250" bIns="95250" numCol="1" spcCol="1270" anchor="ctr" anchorCtr="0">
-          <a:noAutofit/>
-        </a:bodyPr>
-        <a:lstStyle/>
-        <a:p>
-          <a:pPr lvl="0" algn="ctr" defTabSz="1111250">
-            <a:lnSpc>
-              <a:spcPct val="90000"/>
-            </a:lnSpc>
-            <a:spcBef>
-              <a:spcPct val="0"/>
-            </a:spcBef>
-            <a:spcAft>
-              <a:spcPct val="35000"/>
-            </a:spcAft>
-          </a:pPr>
-          <a:r>
-            <a:rPr lang="es-ES_tradnl" sz="2500" kern="1200" dirty="0" err="1" smtClean="0"/>
-            <a:t>BookDAO</a:t>
-          </a:r>
-          <a:endParaRPr lang="en-US" sz="2500" kern="1200" dirty="0"/>
-        </a:p>
-      </dsp:txBody>
-      <dsp:txXfrm>
-        <a:off x="23927" y="3537567"/>
-        <a:ext cx="2443784" cy="769070"/>
-      </dsp:txXfrm>
-    </dsp:sp>
-    <dsp:sp modelId="{1FD05E88-9E09-4F15-B0F4-DD6A84F91FB2}">
-      <dsp:nvSpPr>
-        <dsp:cNvPr id="0" name=""/>
-        <dsp:cNvSpPr/>
-      </dsp:nvSpPr>
-      <dsp:spPr>
-        <a:xfrm rot="21563699">
-          <a:off x="3447939" y="3841071"/>
-          <a:ext cx="3981645" cy="478478"/>
-        </a:xfrm>
-        <a:prstGeom prst="rightArrow">
-          <a:avLst>
-            <a:gd name="adj1" fmla="val 60000"/>
-            <a:gd name="adj2" fmla="val 50000"/>
-          </a:avLst>
-        </a:prstGeom>
-        <a:solidFill>
-          <a:schemeClr val="accent1">
-            <a:tint val="60000"/>
-            <a:hueOff val="0"/>
-            <a:satOff val="0"/>
-            <a:lumOff val="0"/>
-            <a:alphaOff val="0"/>
-          </a:schemeClr>
-        </a:solidFill>
-        <a:ln>
-          <a:noFill/>
-        </a:ln>
-        <a:effectLst/>
-      </dsp:spPr>
-      <dsp:style>
-        <a:lnRef idx="0">
-          <a:scrgbClr r="0" g="0" b="0"/>
-        </a:lnRef>
-        <a:fillRef idx="1">
-          <a:scrgbClr r="0" g="0" b="0"/>
-        </a:fillRef>
-        <a:effectRef idx="0">
-          <a:scrgbClr r="0" g="0" b="0"/>
-        </a:effectRef>
-        <a:fontRef idx="minor">
-          <a:schemeClr val="lt1"/>
-        </a:fontRef>
-      </dsp:style>
-      <dsp:txBody>
-        <a:bodyPr spcFirstLastPara="0" vert="horz" wrap="square" lIns="0" tIns="0" rIns="0" bIns="0" numCol="1" spcCol="1270" anchor="ctr" anchorCtr="0">
-          <a:noAutofit/>
-        </a:bodyPr>
-        <a:lstStyle/>
-        <a:p>
-          <a:pPr lvl="0" algn="ctr" defTabSz="800100">
-            <a:lnSpc>
-              <a:spcPct val="90000"/>
-            </a:lnSpc>
-            <a:spcBef>
-              <a:spcPct val="0"/>
-            </a:spcBef>
-            <a:spcAft>
-              <a:spcPct val="35000"/>
-            </a:spcAft>
-          </a:pPr>
-          <a:r>
-            <a:rPr lang="es-ES_tradnl" sz="1800" kern="1200" dirty="0" smtClean="0"/>
-            <a:t>SELECT * FROM </a:t>
-          </a:r>
-          <a:r>
-            <a:rPr lang="es-ES_tradnl" sz="1800" kern="1200" dirty="0" err="1" smtClean="0"/>
-            <a:t>books</a:t>
-          </a:r>
-          <a:endParaRPr lang="en-US" sz="1800" kern="1200" dirty="0"/>
-        </a:p>
-      </dsp:txBody>
-      <dsp:txXfrm>
-        <a:off x="3447943" y="3937525"/>
-        <a:ext cx="3838102" cy="287086"/>
-      </dsp:txXfrm>
-    </dsp:sp>
-    <dsp:sp modelId="{E8D2FA06-B903-4014-BFD9-BFAEAA6FFFAA}">
-      <dsp:nvSpPr>
-        <dsp:cNvPr id="0" name=""/>
-        <dsp:cNvSpPr/>
-      </dsp:nvSpPr>
-      <dsp:spPr>
-        <a:xfrm>
-          <a:off x="7942629" y="3331881"/>
-          <a:ext cx="2547897" cy="1012100"/>
-        </a:xfrm>
-        <a:prstGeom prst="roundRect">
-          <a:avLst>
-            <a:gd name="adj" fmla="val 10000"/>
-          </a:avLst>
-        </a:prstGeom>
-        <a:solidFill>
-          <a:schemeClr val="accent1">
-            <a:hueOff val="0"/>
-            <a:satOff val="0"/>
-            <a:lumOff val="0"/>
-            <a:alphaOff val="0"/>
-          </a:schemeClr>
-        </a:solidFill>
-        <a:ln w="25400" cap="flat" cmpd="sng" algn="ctr">
-          <a:solidFill>
-            <a:schemeClr val="lt1">
-              <a:hueOff val="0"/>
-              <a:satOff val="0"/>
-              <a:lumOff val="0"/>
-              <a:alphaOff val="0"/>
-            </a:schemeClr>
-          </a:solidFill>
-          <a:prstDash val="solid"/>
-        </a:ln>
-        <a:effectLst/>
-      </dsp:spPr>
-      <dsp:style>
-        <a:lnRef idx="2">
-          <a:scrgbClr r="0" g="0" b="0"/>
-        </a:lnRef>
-        <a:fillRef idx="1">
-          <a:scrgbClr r="0" g="0" b="0"/>
-        </a:fillRef>
-        <a:effectRef idx="0">
-          <a:scrgbClr r="0" g="0" b="0"/>
-        </a:effectRef>
-        <a:fontRef idx="minor">
-          <a:schemeClr val="lt1"/>
-        </a:fontRef>
-      </dsp:style>
-      <dsp:txBody>
-        <a:bodyPr spcFirstLastPara="0" vert="horz" wrap="square" lIns="95250" tIns="95250" rIns="95250" bIns="95250" numCol="1" spcCol="1270" anchor="ctr" anchorCtr="0">
-          <a:noAutofit/>
-        </a:bodyPr>
-        <a:lstStyle/>
-        <a:p>
-          <a:pPr lvl="0" algn="ctr" defTabSz="1111250">
-            <a:lnSpc>
-              <a:spcPct val="90000"/>
-            </a:lnSpc>
-            <a:spcBef>
-              <a:spcPct val="0"/>
-            </a:spcBef>
-            <a:spcAft>
-              <a:spcPct val="35000"/>
-            </a:spcAft>
-          </a:pPr>
-          <a:r>
-            <a:rPr lang="es-ES_tradnl" sz="2500" kern="1200" dirty="0" smtClean="0"/>
-            <a:t>BASE DE DATOS</a:t>
-          </a:r>
-          <a:endParaRPr lang="en-US" sz="2500" kern="1200" dirty="0"/>
-        </a:p>
-      </dsp:txBody>
-      <dsp:txXfrm>
-        <a:off x="7972272" y="3361524"/>
-        <a:ext cx="2488611" cy="952814"/>
-      </dsp:txXfrm>
-    </dsp:sp>
   </dsp:spTree>
 </dsp:drawing>
 </file>
@@ -6226,7 +5347,7 @@
           <a:p>
             <a:fld id="{0E53D8F8-7794-4C5C-9B96-6B70F6BB9983}" type="datetimeFigureOut">
               <a:rPr lang="en-US" smtClean="0"/>
-              <a:t>10/16/2014</a:t>
+              <a:t>10/17/2014</a:t>
             </a:fld>
             <a:endParaRPr lang="en-US"/>
           </a:p>
@@ -10565,7 +9686,11 @@
           <a:bodyPr/>
           <a:lstStyle/>
           <a:p>
-            <a:endParaRPr lang="es-AR"/>
+            <a:r>
+              <a:rPr lang="es-AR" dirty="0" smtClean="0"/>
+              <a:t>App de libros</a:t>
+            </a:r>
+            <a:endParaRPr lang="es-AR" dirty="0"/>
           </a:p>
         </p:txBody>
       </p:sp>
@@ -11350,11 +10475,7 @@
           <a:p>
             <a:r>
               <a:rPr lang="es-ES_tradnl" dirty="0" smtClean="0"/>
-              <a:t>Ejemplo: Listar </a:t>
-            </a:r>
-            <a:r>
-              <a:rPr lang="es-ES_tradnl" dirty="0" smtClean="0"/>
-              <a:t>todos los libros</a:t>
+              <a:t>Ejemplo: Listar todos los libros</a:t>
             </a:r>
             <a:endParaRPr lang="en-US" dirty="0"/>
           </a:p>
